--- a/Word/.NET Core核心基础知识内容 .pptx
+++ b/Word/.NET Core核心基础知识内容 .pptx
@@ -9,6 +9,10 @@
     <p:sldId id="257" r:id="rId3"/>
     <p:sldId id="258" r:id="rId4"/>
     <p:sldId id="259" r:id="rId5"/>
+    <p:sldId id="260" r:id="rId6"/>
+    <p:sldId id="261" r:id="rId7"/>
+    <p:sldId id="262" r:id="rId8"/>
+    <p:sldId id="263" r:id="rId9"/>
   </p:sldIdLst>
   <p:sldSz cx="12192000" cy="6858000"/>
   <p:notesSz cx="6858000" cy="9144000"/>
@@ -107,6 +111,11 @@
       </a:defRPr>
     </a:lvl9pPr>
   </p:defaultTextStyle>
+  <p:extLst>
+    <p:ext uri="{EFAFB233-063F-42B5-8137-9DF3F51BA10A}">
+      <p15:sldGuideLst xmlns:p15="http://schemas.microsoft.com/office/powerpoint/2012/main"/>
+    </p:ext>
+  </p:extLst>
 </p:presentation>
 </file>
 
@@ -257,7 +266,7 @@
           <a:p>
             <a:fld id="{866DEFEA-9B49-4C08-9654-B1CAE5D6D99F}" type="datetimeFigureOut">
               <a:rPr lang="zh-CN" altLang="en-US" smtClean="0"/>
-              <a:t>2021/5/21</a:t>
+              <a:t>2021/5/28</a:t>
             </a:fld>
             <a:endParaRPr lang="zh-CN" altLang="en-US"/>
           </a:p>
@@ -455,7 +464,7 @@
           <a:p>
             <a:fld id="{866DEFEA-9B49-4C08-9654-B1CAE5D6D99F}" type="datetimeFigureOut">
               <a:rPr lang="zh-CN" altLang="en-US" smtClean="0"/>
-              <a:t>2021/5/21</a:t>
+              <a:t>2021/5/28</a:t>
             </a:fld>
             <a:endParaRPr lang="zh-CN" altLang="en-US"/>
           </a:p>
@@ -663,7 +672,7 @@
           <a:p>
             <a:fld id="{866DEFEA-9B49-4C08-9654-B1CAE5D6D99F}" type="datetimeFigureOut">
               <a:rPr lang="zh-CN" altLang="en-US" smtClean="0"/>
-              <a:t>2021/5/21</a:t>
+              <a:t>2021/5/28</a:t>
             </a:fld>
             <a:endParaRPr lang="zh-CN" altLang="en-US"/>
           </a:p>
@@ -861,7 +870,7 @@
           <a:p>
             <a:fld id="{866DEFEA-9B49-4C08-9654-B1CAE5D6D99F}" type="datetimeFigureOut">
               <a:rPr lang="zh-CN" altLang="en-US" smtClean="0"/>
-              <a:t>2021/5/21</a:t>
+              <a:t>2021/5/28</a:t>
             </a:fld>
             <a:endParaRPr lang="zh-CN" altLang="en-US"/>
           </a:p>
@@ -1136,7 +1145,7 @@
           <a:p>
             <a:fld id="{866DEFEA-9B49-4C08-9654-B1CAE5D6D99F}" type="datetimeFigureOut">
               <a:rPr lang="zh-CN" altLang="en-US" smtClean="0"/>
-              <a:t>2021/5/21</a:t>
+              <a:t>2021/5/28</a:t>
             </a:fld>
             <a:endParaRPr lang="zh-CN" altLang="en-US"/>
           </a:p>
@@ -1401,7 +1410,7 @@
           <a:p>
             <a:fld id="{866DEFEA-9B49-4C08-9654-B1CAE5D6D99F}" type="datetimeFigureOut">
               <a:rPr lang="zh-CN" altLang="en-US" smtClean="0"/>
-              <a:t>2021/5/21</a:t>
+              <a:t>2021/5/28</a:t>
             </a:fld>
             <a:endParaRPr lang="zh-CN" altLang="en-US"/>
           </a:p>
@@ -1813,7 +1822,7 @@
           <a:p>
             <a:fld id="{866DEFEA-9B49-4C08-9654-B1CAE5D6D99F}" type="datetimeFigureOut">
               <a:rPr lang="zh-CN" altLang="en-US" smtClean="0"/>
-              <a:t>2021/5/21</a:t>
+              <a:t>2021/5/28</a:t>
             </a:fld>
             <a:endParaRPr lang="zh-CN" altLang="en-US"/>
           </a:p>
@@ -1954,7 +1963,7 @@
           <a:p>
             <a:fld id="{866DEFEA-9B49-4C08-9654-B1CAE5D6D99F}" type="datetimeFigureOut">
               <a:rPr lang="zh-CN" altLang="en-US" smtClean="0"/>
-              <a:t>2021/5/21</a:t>
+              <a:t>2021/5/28</a:t>
             </a:fld>
             <a:endParaRPr lang="zh-CN" altLang="en-US"/>
           </a:p>
@@ -2067,7 +2076,7 @@
           <a:p>
             <a:fld id="{866DEFEA-9B49-4C08-9654-B1CAE5D6D99F}" type="datetimeFigureOut">
               <a:rPr lang="zh-CN" altLang="en-US" smtClean="0"/>
-              <a:t>2021/5/21</a:t>
+              <a:t>2021/5/28</a:t>
             </a:fld>
             <a:endParaRPr lang="zh-CN" altLang="en-US"/>
           </a:p>
@@ -2378,7 +2387,7 @@
           <a:p>
             <a:fld id="{866DEFEA-9B49-4C08-9654-B1CAE5D6D99F}" type="datetimeFigureOut">
               <a:rPr lang="zh-CN" altLang="en-US" smtClean="0"/>
-              <a:t>2021/5/21</a:t>
+              <a:t>2021/5/28</a:t>
             </a:fld>
             <a:endParaRPr lang="zh-CN" altLang="en-US"/>
           </a:p>
@@ -2666,7 +2675,7 @@
           <a:p>
             <a:fld id="{866DEFEA-9B49-4C08-9654-B1CAE5D6D99F}" type="datetimeFigureOut">
               <a:rPr lang="zh-CN" altLang="en-US" smtClean="0"/>
-              <a:t>2021/5/21</a:t>
+              <a:t>2021/5/28</a:t>
             </a:fld>
             <a:endParaRPr lang="zh-CN" altLang="en-US"/>
           </a:p>
@@ -2907,7 +2916,7 @@
           <a:p>
             <a:fld id="{866DEFEA-9B49-4C08-9654-B1CAE5D6D99F}" type="datetimeFigureOut">
               <a:rPr lang="zh-CN" altLang="en-US" smtClean="0"/>
-              <a:t>2021/5/21</a:t>
+              <a:t>2021/5/28</a:t>
             </a:fld>
             <a:endParaRPr lang="zh-CN" altLang="en-US"/>
           </a:p>
@@ -4481,6 +4490,959 @@
 </p:sld>
 </file>
 
+<file path=ppt/slides/slide5.xml><?xml version="1.0" encoding="utf-8"?>
+<p:sld xmlns:a="http://schemas.openxmlformats.org/drawingml/2006/main" xmlns:r="http://schemas.openxmlformats.org/officeDocument/2006/relationships" xmlns:p="http://schemas.openxmlformats.org/presentationml/2006/main">
+  <p:cSld>
+    <p:spTree>
+      <p:nvGrpSpPr>
+        <p:cNvPr id="1" name=""/>
+        <p:cNvGrpSpPr/>
+        <p:nvPr/>
+      </p:nvGrpSpPr>
+      <p:grpSpPr>
+        <a:xfrm>
+          <a:off x="0" y="0"/>
+          <a:ext cx="0" cy="0"/>
+          <a:chOff x="0" y="0"/>
+          <a:chExt cx="0" cy="0"/>
+        </a:xfrm>
+      </p:grpSpPr>
+      <p:sp>
+        <p:nvSpPr>
+          <p:cNvPr id="2" name="标题 1">
+            <a:extLst>
+              <a:ext uri="{FF2B5EF4-FFF2-40B4-BE49-F238E27FC236}">
+                <a16:creationId xmlns:a16="http://schemas.microsoft.com/office/drawing/2014/main" id="{6D31970A-8672-43A2-96BC-64B5CB8A7780}"/>
+              </a:ext>
+            </a:extLst>
+          </p:cNvPr>
+          <p:cNvSpPr>
+            <a:spLocks noGrp="1"/>
+          </p:cNvSpPr>
+          <p:nvPr>
+            <p:ph type="title"/>
+          </p:nvPr>
+        </p:nvSpPr>
+        <p:spPr/>
+        <p:txBody>
+          <a:bodyPr/>
+          <a:lstStyle/>
+          <a:p>
+            <a:r>
+              <a:rPr lang="en-US" altLang="zh-CN" dirty="0"/>
+              <a:t>Startup </a:t>
+            </a:r>
+            <a:r>
+              <a:rPr lang="zh-CN" altLang="en-US" dirty="0"/>
+              <a:t>类</a:t>
+            </a:r>
+          </a:p>
+        </p:txBody>
+      </p:sp>
+      <p:sp>
+        <p:nvSpPr>
+          <p:cNvPr id="4" name="Rectangle 1">
+            <a:extLst>
+              <a:ext uri="{FF2B5EF4-FFF2-40B4-BE49-F238E27FC236}">
+                <a16:creationId xmlns:a16="http://schemas.microsoft.com/office/drawing/2014/main" id="{DC771FA6-B6D9-4BFB-B5D7-E705A4B599D4}"/>
+              </a:ext>
+            </a:extLst>
+          </p:cNvPr>
+          <p:cNvSpPr>
+            <a:spLocks noGrp="1" noChangeArrowheads="1"/>
+          </p:cNvSpPr>
+          <p:nvPr>
+            <p:ph idx="1"/>
+          </p:nvPr>
+        </p:nvSpPr>
+        <p:spPr bwMode="auto">
+          <a:xfrm>
+            <a:off x="466093" y="2066173"/>
+            <a:ext cx="10962828" cy="3612437"/>
+          </a:xfrm>
+          <a:prstGeom prst="rect">
+            <a:avLst/>
+          </a:prstGeom>
+          <a:solidFill>
+            <a:srgbClr val="FFFFFF"/>
+          </a:solidFill>
+          <a:ln>
+            <a:noFill/>
+          </a:ln>
+          <a:effectLst/>
+          <a:extLst>
+            <a:ext uri="{91240B29-F687-4F45-9708-019B960494DF}">
+              <a14:hiddenLine xmlns:a14="http://schemas.microsoft.com/office/drawing/2010/main" w="9525">
+                <a:solidFill>
+                  <a:schemeClr val="tx1"/>
+                </a:solidFill>
+                <a:miter lim="800000"/>
+                <a:headEnd/>
+                <a:tailEnd/>
+              </a14:hiddenLine>
+            </a:ext>
+            <a:ext uri="{AF507438-7753-43E0-B8FC-AC1667EBCBE1}">
+              <a14:hiddenEffects xmlns:a14="http://schemas.microsoft.com/office/drawing/2010/main">
+                <a:effectLst>
+                  <a:outerShdw dist="35921" dir="2700000" algn="ctr" rotWithShape="0">
+                    <a:schemeClr val="bg2"/>
+                  </a:outerShdw>
+                </a:effectLst>
+              </a14:hiddenEffects>
+            </a:ext>
+          </a:extLst>
+        </p:spPr>
+        <p:txBody>
+          <a:bodyPr vert="horz" wrap="square" lIns="339618" tIns="142830" rIns="0" bIns="142830" numCol="1" anchor="ctr" anchorCtr="0" compatLnSpc="1">
+            <a:prstTxWarp prst="textNoShape">
+              <a:avLst/>
+            </a:prstTxWarp>
+            <a:spAutoFit/>
+          </a:bodyPr>
+          <a:lstStyle>
+            <a:lvl1pPr eaLnBrk="0" fontAlgn="base" hangingPunct="0">
+              <a:spcBef>
+                <a:spcPct val="0"/>
+              </a:spcBef>
+              <a:spcAft>
+                <a:spcPct val="0"/>
+              </a:spcAft>
+              <a:defRPr>
+                <a:solidFill>
+                  <a:schemeClr val="tx1"/>
+                </a:solidFill>
+                <a:latin typeface="Arial" panose="020B0604020202020204" pitchFamily="34" charset="0"/>
+              </a:defRPr>
+            </a:lvl1pPr>
+            <a:lvl2pPr eaLnBrk="0" fontAlgn="base" hangingPunct="0">
+              <a:spcBef>
+                <a:spcPct val="0"/>
+              </a:spcBef>
+              <a:spcAft>
+                <a:spcPct val="0"/>
+              </a:spcAft>
+              <a:defRPr>
+                <a:solidFill>
+                  <a:schemeClr val="tx1"/>
+                </a:solidFill>
+                <a:latin typeface="Arial" panose="020B0604020202020204" pitchFamily="34" charset="0"/>
+              </a:defRPr>
+            </a:lvl2pPr>
+            <a:lvl3pPr eaLnBrk="0" fontAlgn="base" hangingPunct="0">
+              <a:spcBef>
+                <a:spcPct val="0"/>
+              </a:spcBef>
+              <a:spcAft>
+                <a:spcPct val="0"/>
+              </a:spcAft>
+              <a:defRPr>
+                <a:solidFill>
+                  <a:schemeClr val="tx1"/>
+                </a:solidFill>
+                <a:latin typeface="Arial" panose="020B0604020202020204" pitchFamily="34" charset="0"/>
+              </a:defRPr>
+            </a:lvl3pPr>
+            <a:lvl4pPr eaLnBrk="0" fontAlgn="base" hangingPunct="0">
+              <a:spcBef>
+                <a:spcPct val="0"/>
+              </a:spcBef>
+              <a:spcAft>
+                <a:spcPct val="0"/>
+              </a:spcAft>
+              <a:defRPr>
+                <a:solidFill>
+                  <a:schemeClr val="tx1"/>
+                </a:solidFill>
+                <a:latin typeface="Arial" panose="020B0604020202020204" pitchFamily="34" charset="0"/>
+              </a:defRPr>
+            </a:lvl4pPr>
+            <a:lvl5pPr eaLnBrk="0" fontAlgn="base" hangingPunct="0">
+              <a:spcBef>
+                <a:spcPct val="0"/>
+              </a:spcBef>
+              <a:spcAft>
+                <a:spcPct val="0"/>
+              </a:spcAft>
+              <a:defRPr>
+                <a:solidFill>
+                  <a:schemeClr val="tx1"/>
+                </a:solidFill>
+                <a:latin typeface="Arial" panose="020B0604020202020204" pitchFamily="34" charset="0"/>
+              </a:defRPr>
+            </a:lvl5pPr>
+            <a:lvl6pPr eaLnBrk="0" fontAlgn="base" hangingPunct="0">
+              <a:spcBef>
+                <a:spcPct val="0"/>
+              </a:spcBef>
+              <a:spcAft>
+                <a:spcPct val="0"/>
+              </a:spcAft>
+              <a:defRPr>
+                <a:solidFill>
+                  <a:schemeClr val="tx1"/>
+                </a:solidFill>
+                <a:latin typeface="Arial" panose="020B0604020202020204" pitchFamily="34" charset="0"/>
+              </a:defRPr>
+            </a:lvl6pPr>
+            <a:lvl7pPr eaLnBrk="0" fontAlgn="base" hangingPunct="0">
+              <a:spcBef>
+                <a:spcPct val="0"/>
+              </a:spcBef>
+              <a:spcAft>
+                <a:spcPct val="0"/>
+              </a:spcAft>
+              <a:defRPr>
+                <a:solidFill>
+                  <a:schemeClr val="tx1"/>
+                </a:solidFill>
+                <a:latin typeface="Arial" panose="020B0604020202020204" pitchFamily="34" charset="0"/>
+              </a:defRPr>
+            </a:lvl7pPr>
+            <a:lvl8pPr eaLnBrk="0" fontAlgn="base" hangingPunct="0">
+              <a:spcBef>
+                <a:spcPct val="0"/>
+              </a:spcBef>
+              <a:spcAft>
+                <a:spcPct val="0"/>
+              </a:spcAft>
+              <a:defRPr>
+                <a:solidFill>
+                  <a:schemeClr val="tx1"/>
+                </a:solidFill>
+                <a:latin typeface="Arial" panose="020B0604020202020204" pitchFamily="34" charset="0"/>
+              </a:defRPr>
+            </a:lvl8pPr>
+            <a:lvl9pPr eaLnBrk="0" fontAlgn="base" hangingPunct="0">
+              <a:spcBef>
+                <a:spcPct val="0"/>
+              </a:spcBef>
+              <a:spcAft>
+                <a:spcPct val="0"/>
+              </a:spcAft>
+              <a:defRPr>
+                <a:solidFill>
+                  <a:schemeClr val="tx1"/>
+                </a:solidFill>
+                <a:latin typeface="Arial" panose="020B0604020202020204" pitchFamily="34" charset="0"/>
+              </a:defRPr>
+            </a:lvl9pPr>
+          </a:lstStyle>
+          <a:p>
+            <a:pPr marL="0" lvl="0" indent="0">
+              <a:lnSpc>
+                <a:spcPct val="100000"/>
+              </a:lnSpc>
+              <a:buNone/>
+            </a:pPr>
+            <a:r>
+              <a:rPr lang="en-US" altLang="zh-CN" sz="1800" dirty="0"/>
+              <a:t>1</a:t>
+            </a:r>
+            <a:r>
+              <a:rPr lang="zh-CN" altLang="en-US" sz="1800" dirty="0"/>
+              <a:t>、</a:t>
+            </a:r>
+            <a:r>
+              <a:rPr lang="en-US" altLang="zh-CN" sz="1800" dirty="0"/>
+              <a:t>Startup </a:t>
+            </a:r>
+            <a:r>
+              <a:rPr lang="zh-CN" altLang="en-US" sz="1800" dirty="0"/>
+              <a:t>构造函数</a:t>
+            </a:r>
+            <a:endParaRPr lang="en-US" altLang="zh-CN" sz="1800" dirty="0"/>
+          </a:p>
+          <a:p>
+            <a:pPr marL="0" lvl="0" indent="0">
+              <a:lnSpc>
+                <a:spcPct val="100000"/>
+              </a:lnSpc>
+              <a:buNone/>
+            </a:pPr>
+            <a:endParaRPr lang="en-US" altLang="zh-CN" sz="1800" dirty="0"/>
+          </a:p>
+          <a:p>
+            <a:pPr marL="0" lvl="0" indent="0">
+              <a:lnSpc>
+                <a:spcPct val="100000"/>
+              </a:lnSpc>
+              <a:buNone/>
+            </a:pPr>
+            <a:r>
+              <a:rPr lang="zh-CN" altLang="en-US" sz="1800" dirty="0"/>
+              <a:t>通过依赖注入实例化业务对象。</a:t>
+            </a:r>
+            <a:endParaRPr lang="en-US" altLang="zh-CN" sz="1800" dirty="0"/>
+          </a:p>
+          <a:p>
+            <a:pPr marL="0" lvl="0" indent="0">
+              <a:lnSpc>
+                <a:spcPct val="100000"/>
+              </a:lnSpc>
+              <a:buNone/>
+            </a:pPr>
+            <a:endParaRPr lang="en-US" altLang="zh-CN" sz="1800" dirty="0"/>
+          </a:p>
+          <a:p>
+            <a:pPr marL="0" lvl="0" indent="0">
+              <a:lnSpc>
+                <a:spcPct val="100000"/>
+              </a:lnSpc>
+              <a:buNone/>
+            </a:pPr>
+            <a:endParaRPr lang="en-US" altLang="zh-CN" sz="1800" dirty="0"/>
+          </a:p>
+          <a:p>
+            <a:pPr marL="0" lvl="0" indent="0">
+              <a:lnSpc>
+                <a:spcPct val="100000"/>
+              </a:lnSpc>
+              <a:buNone/>
+            </a:pPr>
+            <a:r>
+              <a:rPr kumimoji="0" lang="en-US" altLang="zh-CN" sz="1800" b="0" i="0" u="none" strike="noStrike" cap="none" normalizeH="0" baseline="0" dirty="0">
+                <a:ln>
+                  <a:noFill/>
+                </a:ln>
+                <a:solidFill>
+                  <a:schemeClr val="tx1"/>
+                </a:solidFill>
+                <a:effectLst/>
+                <a:latin typeface="Arial" panose="020B0604020202020204" pitchFamily="34" charset="0"/>
+              </a:rPr>
+              <a:t>2</a:t>
+            </a:r>
+            <a:r>
+              <a:rPr lang="zh-CN" altLang="en-US" sz="1800" dirty="0"/>
+              <a:t>、</a:t>
+            </a:r>
+            <a:r>
+              <a:rPr lang="en-US" altLang="zh-CN" sz="1800" dirty="0" err="1"/>
+              <a:t>ConfigureServices</a:t>
+            </a:r>
+            <a:endParaRPr lang="en-US" altLang="zh-CN" sz="1800" dirty="0"/>
+          </a:p>
+          <a:p>
+            <a:pPr marL="0" lvl="0" indent="0">
+              <a:lnSpc>
+                <a:spcPct val="100000"/>
+              </a:lnSpc>
+              <a:buNone/>
+            </a:pPr>
+            <a:endParaRPr lang="en-US" altLang="zh-CN" sz="1800" dirty="0"/>
+          </a:p>
+          <a:p>
+            <a:pPr marL="0" lvl="0" indent="0">
+              <a:lnSpc>
+                <a:spcPct val="100000"/>
+              </a:lnSpc>
+              <a:buNone/>
+            </a:pPr>
+            <a:r>
+              <a:rPr lang="en-US" altLang="zh-CN" sz="1800" dirty="0" err="1"/>
+              <a:t>Ioc</a:t>
+            </a:r>
+            <a:r>
+              <a:rPr lang="zh-CN" altLang="en-US" sz="1800" dirty="0"/>
+              <a:t>容器，注册服务</a:t>
+            </a:r>
+            <a:endParaRPr lang="en-US" altLang="zh-CN" sz="1800" dirty="0"/>
+          </a:p>
+          <a:p>
+            <a:pPr marL="0" lvl="0" indent="0">
+              <a:lnSpc>
+                <a:spcPct val="100000"/>
+              </a:lnSpc>
+              <a:buNone/>
+            </a:pPr>
+            <a:endParaRPr lang="en-US" altLang="zh-CN" sz="1800" dirty="0"/>
+          </a:p>
+          <a:p>
+            <a:pPr marL="0" lvl="0" indent="0">
+              <a:lnSpc>
+                <a:spcPct val="100000"/>
+              </a:lnSpc>
+              <a:buNone/>
+            </a:pPr>
+            <a:endParaRPr lang="en-US" altLang="zh-CN" sz="1800" dirty="0"/>
+          </a:p>
+          <a:p>
+            <a:pPr marL="0" lvl="0" indent="0">
+              <a:lnSpc>
+                <a:spcPct val="100000"/>
+              </a:lnSpc>
+              <a:buNone/>
+            </a:pPr>
+            <a:r>
+              <a:rPr kumimoji="0" lang="en-US" altLang="zh-CN" sz="1800" b="0" i="0" u="none" strike="noStrike" cap="none" normalizeH="0" baseline="0" dirty="0">
+                <a:ln>
+                  <a:noFill/>
+                </a:ln>
+                <a:solidFill>
+                  <a:schemeClr val="tx1"/>
+                </a:solidFill>
+                <a:effectLst/>
+                <a:latin typeface="Arial" panose="020B0604020202020204" pitchFamily="34" charset="0"/>
+              </a:rPr>
+              <a:t>3</a:t>
+            </a:r>
+            <a:r>
+              <a:rPr kumimoji="0" lang="zh-CN" altLang="en-US" sz="1800" b="0" i="0" u="none" strike="noStrike" cap="none" normalizeH="0" baseline="0" dirty="0">
+                <a:ln>
+                  <a:noFill/>
+                </a:ln>
+                <a:solidFill>
+                  <a:schemeClr val="tx1"/>
+                </a:solidFill>
+                <a:effectLst/>
+                <a:latin typeface="Arial" panose="020B0604020202020204" pitchFamily="34" charset="0"/>
+              </a:rPr>
+              <a:t>、</a:t>
+            </a:r>
+            <a:r>
+              <a:rPr kumimoji="0" lang="en-US" altLang="zh-CN" sz="1800" b="0" i="0" u="none" strike="noStrike" cap="none" normalizeH="0" baseline="0" dirty="0">
+                <a:ln>
+                  <a:noFill/>
+                </a:ln>
+                <a:solidFill>
+                  <a:schemeClr val="tx1"/>
+                </a:solidFill>
+                <a:effectLst/>
+                <a:latin typeface="Arial" panose="020B0604020202020204" pitchFamily="34" charset="0"/>
+              </a:rPr>
+              <a:t>Configure</a:t>
+            </a:r>
+          </a:p>
+          <a:p>
+            <a:pPr marL="0" lvl="0" indent="0">
+              <a:lnSpc>
+                <a:spcPct val="100000"/>
+              </a:lnSpc>
+              <a:buNone/>
+            </a:pPr>
+            <a:endParaRPr kumimoji="0" lang="zh-CN" altLang="zh-CN" sz="1800" b="0" i="0" u="none" strike="noStrike" cap="none" normalizeH="0" baseline="0" dirty="0">
+              <a:ln>
+                <a:noFill/>
+              </a:ln>
+              <a:solidFill>
+                <a:schemeClr val="tx1"/>
+              </a:solidFill>
+              <a:effectLst/>
+              <a:latin typeface="Arial" panose="020B0604020202020204" pitchFamily="34" charset="0"/>
+            </a:endParaRPr>
+          </a:p>
+        </p:txBody>
+      </p:sp>
+    </p:spTree>
+    <p:extLst>
+      <p:ext uri="{BB962C8B-B14F-4D97-AF65-F5344CB8AC3E}">
+        <p14:creationId xmlns:p14="http://schemas.microsoft.com/office/powerpoint/2010/main" val="645433796"/>
+      </p:ext>
+    </p:extLst>
+  </p:cSld>
+  <p:clrMapOvr>
+    <a:masterClrMapping/>
+  </p:clrMapOvr>
+</p:sld>
+</file>
+
+<file path=ppt/slides/slide6.xml><?xml version="1.0" encoding="utf-8"?>
+<p:sld xmlns:a="http://schemas.openxmlformats.org/drawingml/2006/main" xmlns:r="http://schemas.openxmlformats.org/officeDocument/2006/relationships" xmlns:p="http://schemas.openxmlformats.org/presentationml/2006/main">
+  <p:cSld>
+    <p:spTree>
+      <p:nvGrpSpPr>
+        <p:cNvPr id="1" name=""/>
+        <p:cNvGrpSpPr/>
+        <p:nvPr/>
+      </p:nvGrpSpPr>
+      <p:grpSpPr>
+        <a:xfrm>
+          <a:off x="0" y="0"/>
+          <a:ext cx="0" cy="0"/>
+          <a:chOff x="0" y="0"/>
+          <a:chExt cx="0" cy="0"/>
+        </a:xfrm>
+      </p:grpSpPr>
+      <p:sp>
+        <p:nvSpPr>
+          <p:cNvPr id="2" name="标题 1">
+            <a:extLst>
+              <a:ext uri="{FF2B5EF4-FFF2-40B4-BE49-F238E27FC236}">
+                <a16:creationId xmlns:a16="http://schemas.microsoft.com/office/drawing/2014/main" id="{BDCB1397-070D-41DC-B196-E451F00B6DDB}"/>
+              </a:ext>
+            </a:extLst>
+          </p:cNvPr>
+          <p:cNvSpPr>
+            <a:spLocks noGrp="1"/>
+          </p:cNvSpPr>
+          <p:nvPr>
+            <p:ph type="title"/>
+          </p:nvPr>
+        </p:nvSpPr>
+        <p:spPr/>
+        <p:txBody>
+          <a:bodyPr/>
+          <a:lstStyle/>
+          <a:p>
+            <a:r>
+              <a:rPr lang="en-US" altLang="zh-CN" dirty="0"/>
+              <a:t>Startup </a:t>
+            </a:r>
+            <a:r>
+              <a:rPr lang="zh-CN" altLang="en-US" dirty="0"/>
+              <a:t>类 </a:t>
+            </a:r>
+            <a:r>
+              <a:rPr lang="en-US" altLang="zh-CN" dirty="0">
+                <a:latin typeface="Arial" panose="020B0604020202020204" pitchFamily="34" charset="0"/>
+              </a:rPr>
+              <a:t>Configure</a:t>
+            </a:r>
+            <a:endParaRPr lang="zh-CN" altLang="en-US" dirty="0"/>
+          </a:p>
+        </p:txBody>
+      </p:sp>
+      <p:sp>
+        <p:nvSpPr>
+          <p:cNvPr id="3" name="内容占位符 2">
+            <a:extLst>
+              <a:ext uri="{FF2B5EF4-FFF2-40B4-BE49-F238E27FC236}">
+                <a16:creationId xmlns:a16="http://schemas.microsoft.com/office/drawing/2014/main" id="{72762795-4774-41A6-9FE2-A2FC0672109F}"/>
+              </a:ext>
+            </a:extLst>
+          </p:cNvPr>
+          <p:cNvSpPr>
+            <a:spLocks noGrp="1"/>
+          </p:cNvSpPr>
+          <p:nvPr>
+            <p:ph idx="1"/>
+          </p:nvPr>
+        </p:nvSpPr>
+        <p:spPr>
+          <a:xfrm>
+            <a:off x="838200" y="1825625"/>
+            <a:ext cx="10515600" cy="4351338"/>
+          </a:xfrm>
+        </p:spPr>
+        <p:txBody>
+          <a:bodyPr>
+            <a:normAutofit/>
+          </a:bodyPr>
+          <a:lstStyle/>
+          <a:p>
+            <a:pPr marL="0" indent="0">
+              <a:buNone/>
+            </a:pPr>
+            <a:r>
+              <a:rPr lang="zh-CN" altLang="en-US" sz="1800" dirty="0"/>
+              <a:t>用于构建管道处理</a:t>
+            </a:r>
+            <a:r>
+              <a:rPr lang="en-US" altLang="zh-CN" sz="1800" dirty="0"/>
+              <a:t>Http</a:t>
+            </a:r>
+            <a:r>
+              <a:rPr lang="zh-CN" altLang="en-US" sz="1800" dirty="0"/>
+              <a:t>请求，管道中的每个中间件（</a:t>
+            </a:r>
+            <a:r>
+              <a:rPr lang="en-US" altLang="zh-CN" sz="1800" dirty="0"/>
+              <a:t>Middleware</a:t>
+            </a:r>
+            <a:r>
+              <a:rPr lang="zh-CN" altLang="en-US" sz="1800" dirty="0"/>
+              <a:t>）组件负责请求处理和选择是否将请求传递到管道中的下一个组件，在这里我们可以添加自己想要的中间件来处理每一个</a:t>
+            </a:r>
+            <a:r>
+              <a:rPr lang="en-US" altLang="zh-CN" sz="1800" dirty="0"/>
+              <a:t>Http</a:t>
+            </a:r>
+            <a:r>
+              <a:rPr lang="zh-CN" altLang="en-US" sz="1800" dirty="0"/>
+              <a:t>请求，一般是使用上面的</a:t>
+            </a:r>
+            <a:r>
+              <a:rPr lang="en-US" altLang="zh-CN" sz="1800" dirty="0" err="1"/>
+              <a:t>ConfigureServices</a:t>
+            </a:r>
+            <a:r>
+              <a:rPr lang="zh-CN" altLang="en-US" sz="1800" dirty="0"/>
+              <a:t>方法中注册好的服务，一般的用法是 </a:t>
+            </a:r>
+            <a:r>
+              <a:rPr lang="en-US" altLang="zh-CN" sz="1800" dirty="0" err="1"/>
+              <a:t>app.Usexxx</a:t>
+            </a:r>
+            <a:r>
+              <a:rPr lang="zh-CN" altLang="en-US" sz="1800" dirty="0"/>
+              <a:t>，这个</a:t>
+            </a:r>
+            <a:r>
+              <a:rPr lang="en-US" altLang="zh-CN" sz="1800" dirty="0" err="1"/>
+              <a:t>Usexxx</a:t>
+            </a:r>
+            <a:r>
+              <a:rPr lang="zh-CN" altLang="en-US" sz="1800" dirty="0"/>
+              <a:t>方法是基于</a:t>
+            </a:r>
+            <a:r>
+              <a:rPr lang="en-US" altLang="zh-CN" sz="1800" dirty="0" err="1"/>
+              <a:t>IApplicationBuilder</a:t>
+            </a:r>
+            <a:r>
+              <a:rPr lang="zh-CN" altLang="en-US" sz="1800" dirty="0"/>
+              <a:t>的扩展。</a:t>
+            </a:r>
+            <a:endParaRPr lang="en-US" altLang="zh-CN" sz="1800" dirty="0"/>
+          </a:p>
+          <a:p>
+            <a:pPr marL="0" indent="0">
+              <a:buNone/>
+            </a:pPr>
+            <a:endParaRPr lang="zh-CN" altLang="en-US" sz="1800" dirty="0"/>
+          </a:p>
+        </p:txBody>
+      </p:sp>
+      <p:pic>
+        <p:nvPicPr>
+          <p:cNvPr id="2052" name="Picture 4" descr="https://img2018.cnblogs.com/blog/1479901/201904/1479901-20190416001443609-934082280.png">
+            <a:extLst>
+              <a:ext uri="{FF2B5EF4-FFF2-40B4-BE49-F238E27FC236}">
+                <a16:creationId xmlns:a16="http://schemas.microsoft.com/office/drawing/2014/main" id="{6CC8FD64-8448-4FC0-AC35-2058EADD4A8B}"/>
+              </a:ext>
+            </a:extLst>
+          </p:cNvPr>
+          <p:cNvPicPr>
+            <a:picLocks noChangeAspect="1" noChangeArrowheads="1"/>
+          </p:cNvPicPr>
+          <p:nvPr/>
+        </p:nvPicPr>
+        <p:blipFill>
+          <a:blip r:embed="rId2">
+            <a:extLst>
+              <a:ext uri="{28A0092B-C50C-407E-A947-70E740481C1C}">
+                <a14:useLocalDpi xmlns:a14="http://schemas.microsoft.com/office/drawing/2010/main" val="0"/>
+              </a:ext>
+            </a:extLst>
+          </a:blip>
+          <a:srcRect/>
+          <a:stretch>
+            <a:fillRect/>
+          </a:stretch>
+        </p:blipFill>
+        <p:spPr bwMode="auto">
+          <a:xfrm>
+            <a:off x="5185142" y="2882900"/>
+            <a:ext cx="5838825" cy="3429000"/>
+          </a:xfrm>
+          <a:prstGeom prst="rect">
+            <a:avLst/>
+          </a:prstGeom>
+          <a:noFill/>
+          <a:extLst>
+            <a:ext uri="{909E8E84-426E-40DD-AFC4-6F175D3DCCD1}">
+              <a14:hiddenFill xmlns:a14="http://schemas.microsoft.com/office/drawing/2010/main">
+                <a:solidFill>
+                  <a:srgbClr val="FFFFFF"/>
+                </a:solidFill>
+              </a14:hiddenFill>
+            </a:ext>
+          </a:extLst>
+        </p:spPr>
+      </p:pic>
+    </p:spTree>
+    <p:extLst>
+      <p:ext uri="{BB962C8B-B14F-4D97-AF65-F5344CB8AC3E}">
+        <p14:creationId xmlns:p14="http://schemas.microsoft.com/office/powerpoint/2010/main" val="2796741705"/>
+      </p:ext>
+    </p:extLst>
+  </p:cSld>
+  <p:clrMapOvr>
+    <a:masterClrMapping/>
+  </p:clrMapOvr>
+  <p:timing>
+    <p:tnLst>
+      <p:par>
+        <p:cTn id="1" dur="indefinite" restart="never" nodeType="tmRoot">
+          <p:childTnLst>
+            <p:seq concurrent="1" nextAc="seek">
+              <p:cTn id="2" dur="indefinite" nodeType="mainSeq">
+                <p:childTnLst>
+                  <p:par>
+                    <p:cTn id="3" fill="hold">
+                      <p:stCondLst>
+                        <p:cond delay="indefinite"/>
+                      </p:stCondLst>
+                      <p:childTnLst>
+                        <p:par>
+                          <p:cTn id="4" fill="hold">
+                            <p:stCondLst>
+                              <p:cond delay="0"/>
+                            </p:stCondLst>
+                            <p:childTnLst>
+                              <p:par>
+                                <p:cTn id="5" presetID="10" presetClass="entr" presetSubtype="0" fill="hold" nodeType="clickEffect">
+                                  <p:stCondLst>
+                                    <p:cond delay="0"/>
+                                  </p:stCondLst>
+                                  <p:childTnLst>
+                                    <p:set>
+                                      <p:cBhvr>
+                                        <p:cTn id="6" dur="1" fill="hold">
+                                          <p:stCondLst>
+                                            <p:cond delay="0"/>
+                                          </p:stCondLst>
+                                        </p:cTn>
+                                        <p:tgtEl>
+                                          <p:spTgt spid="2052"/>
+                                        </p:tgtEl>
+                                        <p:attrNameLst>
+                                          <p:attrName>style.visibility</p:attrName>
+                                        </p:attrNameLst>
+                                      </p:cBhvr>
+                                      <p:to>
+                                        <p:strVal val="visible"/>
+                                      </p:to>
+                                    </p:set>
+                                    <p:animEffect transition="in" filter="fade">
+                                      <p:cBhvr>
+                                        <p:cTn id="7" dur="500"/>
+                                        <p:tgtEl>
+                                          <p:spTgt spid="2052"/>
+                                        </p:tgtEl>
+                                      </p:cBhvr>
+                                    </p:animEffect>
+                                  </p:childTnLst>
+                                </p:cTn>
+                              </p:par>
+                            </p:childTnLst>
+                          </p:cTn>
+                        </p:par>
+                      </p:childTnLst>
+                    </p:cTn>
+                  </p:par>
+                </p:childTnLst>
+              </p:cTn>
+              <p:prevCondLst>
+                <p:cond evt="onPrev" delay="0">
+                  <p:tgtEl>
+                    <p:sldTgt/>
+                  </p:tgtEl>
+                </p:cond>
+              </p:prevCondLst>
+              <p:nextCondLst>
+                <p:cond evt="onNext" delay="0">
+                  <p:tgtEl>
+                    <p:sldTgt/>
+                  </p:tgtEl>
+                </p:cond>
+              </p:nextCondLst>
+            </p:seq>
+          </p:childTnLst>
+        </p:cTn>
+      </p:par>
+    </p:tnLst>
+  </p:timing>
+</p:sld>
+</file>
+
+<file path=ppt/slides/slide7.xml><?xml version="1.0" encoding="utf-8"?>
+<p:sld xmlns:a="http://schemas.openxmlformats.org/drawingml/2006/main" xmlns:r="http://schemas.openxmlformats.org/officeDocument/2006/relationships" xmlns:p="http://schemas.openxmlformats.org/presentationml/2006/main">
+  <p:cSld>
+    <p:spTree>
+      <p:nvGrpSpPr>
+        <p:cNvPr id="1" name=""/>
+        <p:cNvGrpSpPr/>
+        <p:nvPr/>
+      </p:nvGrpSpPr>
+      <p:grpSpPr>
+        <a:xfrm>
+          <a:off x="0" y="0"/>
+          <a:ext cx="0" cy="0"/>
+          <a:chOff x="0" y="0"/>
+          <a:chExt cx="0" cy="0"/>
+        </a:xfrm>
+      </p:grpSpPr>
+      <p:sp>
+        <p:nvSpPr>
+          <p:cNvPr id="2" name="标题 1">
+            <a:extLst>
+              <a:ext uri="{FF2B5EF4-FFF2-40B4-BE49-F238E27FC236}">
+                <a16:creationId xmlns:a16="http://schemas.microsoft.com/office/drawing/2014/main" id="{937BD9A5-8840-45B5-A73F-D3B7016B5159}"/>
+              </a:ext>
+            </a:extLst>
+          </p:cNvPr>
+          <p:cNvSpPr>
+            <a:spLocks noGrp="1"/>
+          </p:cNvSpPr>
+          <p:nvPr>
+            <p:ph type="title"/>
+          </p:nvPr>
+        </p:nvSpPr>
+        <p:spPr/>
+        <p:txBody>
+          <a:bodyPr/>
+          <a:lstStyle/>
+          <a:p>
+            <a:r>
+              <a:rPr lang="zh-CN" altLang="en-US" dirty="0"/>
+              <a:t>什么是依赖注入</a:t>
+            </a:r>
+          </a:p>
+        </p:txBody>
+      </p:sp>
+      <p:sp>
+        <p:nvSpPr>
+          <p:cNvPr id="3" name="内容占位符 2">
+            <a:extLst>
+              <a:ext uri="{FF2B5EF4-FFF2-40B4-BE49-F238E27FC236}">
+                <a16:creationId xmlns:a16="http://schemas.microsoft.com/office/drawing/2014/main" id="{CDBAD396-19DD-4413-9C35-F1B15EA6F6A5}"/>
+              </a:ext>
+            </a:extLst>
+          </p:cNvPr>
+          <p:cNvSpPr>
+            <a:spLocks noGrp="1"/>
+          </p:cNvSpPr>
+          <p:nvPr>
+            <p:ph idx="1"/>
+          </p:nvPr>
+        </p:nvSpPr>
+        <p:spPr/>
+        <p:txBody>
+          <a:bodyPr>
+            <a:normAutofit/>
+          </a:bodyPr>
+          <a:lstStyle/>
+          <a:p>
+            <a:pPr marL="0" indent="0">
+              <a:buNone/>
+            </a:pPr>
+            <a:r>
+              <a:rPr lang="en-US" altLang="zh-CN" sz="1800" dirty="0" err="1"/>
+              <a:t>IoC</a:t>
+            </a:r>
+            <a:r>
+              <a:rPr lang="en-US" altLang="zh-CN" sz="1800" dirty="0"/>
+              <a:t>(</a:t>
+            </a:r>
+            <a:r>
+              <a:rPr lang="en-US" altLang="zh-CN" sz="1800" b="1" dirty="0"/>
+              <a:t>Inversion of Control</a:t>
+            </a:r>
+            <a:r>
+              <a:rPr lang="en-US" altLang="zh-CN" sz="1800" dirty="0"/>
+              <a:t>)</a:t>
+            </a:r>
+            <a:r>
+              <a:rPr lang="zh-CN" altLang="en-US" sz="1800" dirty="0"/>
+              <a:t>，控制反转，不是什么技术，而是一种设计思想。</a:t>
+            </a:r>
+          </a:p>
+        </p:txBody>
+      </p:sp>
+    </p:spTree>
+    <p:extLst>
+      <p:ext uri="{BB962C8B-B14F-4D97-AF65-F5344CB8AC3E}">
+        <p14:creationId xmlns:p14="http://schemas.microsoft.com/office/powerpoint/2010/main" val="3706756829"/>
+      </p:ext>
+    </p:extLst>
+  </p:cSld>
+  <p:clrMapOvr>
+    <a:masterClrMapping/>
+  </p:clrMapOvr>
+</p:sld>
+</file>
+
+<file path=ppt/slides/slide8.xml><?xml version="1.0" encoding="utf-8"?>
+<p:sld xmlns:a="http://schemas.openxmlformats.org/drawingml/2006/main" xmlns:r="http://schemas.openxmlformats.org/officeDocument/2006/relationships" xmlns:p="http://schemas.openxmlformats.org/presentationml/2006/main">
+  <p:cSld>
+    <p:spTree>
+      <p:nvGrpSpPr>
+        <p:cNvPr id="1" name=""/>
+        <p:cNvGrpSpPr/>
+        <p:nvPr/>
+      </p:nvGrpSpPr>
+      <p:grpSpPr>
+        <a:xfrm>
+          <a:off x="0" y="0"/>
+          <a:ext cx="0" cy="0"/>
+          <a:chOff x="0" y="0"/>
+          <a:chExt cx="0" cy="0"/>
+        </a:xfrm>
+      </p:grpSpPr>
+      <p:sp>
+        <p:nvSpPr>
+          <p:cNvPr id="2" name="标题 1">
+            <a:extLst>
+              <a:ext uri="{FF2B5EF4-FFF2-40B4-BE49-F238E27FC236}">
+                <a16:creationId xmlns:a16="http://schemas.microsoft.com/office/drawing/2014/main" id="{B5B7E4C5-A0D3-4304-A842-17246344335A}"/>
+              </a:ext>
+            </a:extLst>
+          </p:cNvPr>
+          <p:cNvSpPr>
+            <a:spLocks noGrp="1"/>
+          </p:cNvSpPr>
+          <p:nvPr>
+            <p:ph type="title"/>
+          </p:nvPr>
+        </p:nvSpPr>
+        <p:spPr/>
+        <p:txBody>
+          <a:bodyPr/>
+          <a:lstStyle/>
+          <a:p>
+            <a:r>
+              <a:rPr lang="en-US" altLang="zh-CN" dirty="0"/>
+              <a:t>DDD(Domain Driven Design)</a:t>
+            </a:r>
+            <a:endParaRPr lang="zh-CN" altLang="en-US" dirty="0"/>
+          </a:p>
+        </p:txBody>
+      </p:sp>
+      <p:sp>
+        <p:nvSpPr>
+          <p:cNvPr id="3" name="内容占位符 2">
+            <a:extLst>
+              <a:ext uri="{FF2B5EF4-FFF2-40B4-BE49-F238E27FC236}">
+                <a16:creationId xmlns:a16="http://schemas.microsoft.com/office/drawing/2014/main" id="{347213F7-7AF0-4768-8B1A-CE0DBFB8D05F}"/>
+              </a:ext>
+            </a:extLst>
+          </p:cNvPr>
+          <p:cNvSpPr>
+            <a:spLocks noGrp="1"/>
+          </p:cNvSpPr>
+          <p:nvPr>
+            <p:ph idx="1"/>
+          </p:nvPr>
+        </p:nvSpPr>
+        <p:spPr/>
+        <p:txBody>
+          <a:bodyPr/>
+          <a:lstStyle/>
+          <a:p>
+            <a:pPr marL="0" indent="0">
+              <a:buNone/>
+            </a:pPr>
+            <a:r>
+              <a:rPr lang="zh-CN" altLang="en-US" dirty="0"/>
+              <a:t>领域驱动设计</a:t>
+            </a:r>
+          </a:p>
+        </p:txBody>
+      </p:sp>
+    </p:spTree>
+    <p:extLst>
+      <p:ext uri="{BB962C8B-B14F-4D97-AF65-F5344CB8AC3E}">
+        <p14:creationId xmlns:p14="http://schemas.microsoft.com/office/powerpoint/2010/main" val="2411115026"/>
+      </p:ext>
+    </p:extLst>
+  </p:cSld>
+  <p:clrMapOvr>
+    <a:masterClrMapping/>
+  </p:clrMapOvr>
+</p:sld>
+</file>
+
 <file path=ppt/theme/theme1.xml><?xml version="1.0" encoding="utf-8"?>
 <a:theme xmlns:a="http://schemas.openxmlformats.org/drawingml/2006/main" name="Office 主题​​">
   <a:themeElements>
